--- a/review.pptx
+++ b/review.pptx
@@ -14,7 +14,15 @@
     <p:sldId id="262" r:id="rId8"/>
     <p:sldId id="266" r:id="rId9"/>
     <p:sldId id="264" r:id="rId10"/>
-    <p:sldId id="265" r:id="rId11"/>
+    <p:sldId id="267" r:id="rId11"/>
+    <p:sldId id="268" r:id="rId12"/>
+    <p:sldId id="272" r:id="rId13"/>
+    <p:sldId id="269" r:id="rId14"/>
+    <p:sldId id="270" r:id="rId15"/>
+    <p:sldId id="273" r:id="rId16"/>
+    <p:sldId id="271" r:id="rId17"/>
+    <p:sldId id="274" r:id="rId18"/>
+    <p:sldId id="265" r:id="rId19"/>
   </p:sldIdLst>
   <p:sldSz cx="12192000" cy="6858000"/>
   <p:notesSz cx="6858000" cy="9144000"/>
@@ -308,7 +316,7 @@
             <a:fld id="{B61BEF0D-F0BB-DE4B-95CE-6DB70DBA9567}" type="datetimeFigureOut">
               <a:rPr lang="en-US" smtClean="0"/>
               <a:pPr/>
-              <a:t>5/23/2022</a:t>
+              <a:t>7/6/2022</a:t>
             </a:fld>
             <a:endParaRPr lang="en-US" dirty="0"/>
           </a:p>
@@ -585,7 +593,7 @@
             <a:fld id="{B61BEF0D-F0BB-DE4B-95CE-6DB70DBA9567}" type="datetimeFigureOut">
               <a:rPr lang="en-US" smtClean="0"/>
               <a:pPr/>
-              <a:t>5/23/2022</a:t>
+              <a:t>7/6/2022</a:t>
             </a:fld>
             <a:endParaRPr lang="en-US" dirty="0"/>
           </a:p>
@@ -781,7 +789,7 @@
             <a:fld id="{B61BEF0D-F0BB-DE4B-95CE-6DB70DBA9567}" type="datetimeFigureOut">
               <a:rPr lang="en-US" smtClean="0"/>
               <a:pPr/>
-              <a:t>5/23/2022</a:t>
+              <a:t>7/6/2022</a:t>
             </a:fld>
             <a:endParaRPr lang="en-US" dirty="0"/>
           </a:p>
@@ -1056,7 +1064,7 @@
             <a:fld id="{B61BEF0D-F0BB-DE4B-95CE-6DB70DBA9567}" type="datetimeFigureOut">
               <a:rPr lang="en-US" smtClean="0"/>
               <a:pPr/>
-              <a:t>5/23/2022</a:t>
+              <a:t>7/6/2022</a:t>
             </a:fld>
             <a:endParaRPr lang="en-US" dirty="0"/>
           </a:p>
@@ -1399,7 +1407,7 @@
             <a:fld id="{B61BEF0D-F0BB-DE4B-95CE-6DB70DBA9567}" type="datetimeFigureOut">
               <a:rPr lang="en-US" smtClean="0"/>
               <a:pPr/>
-              <a:t>5/23/2022</a:t>
+              <a:t>7/6/2022</a:t>
             </a:fld>
             <a:endParaRPr lang="en-US" dirty="0"/>
           </a:p>
@@ -2024,7 +2032,7 @@
             <a:fld id="{B61BEF0D-F0BB-DE4B-95CE-6DB70DBA9567}" type="datetimeFigureOut">
               <a:rPr lang="en-US" smtClean="0"/>
               <a:pPr/>
-              <a:t>5/23/2022</a:t>
+              <a:t>7/6/2022</a:t>
             </a:fld>
             <a:endParaRPr lang="en-US" dirty="0"/>
           </a:p>
@@ -2886,7 +2894,7 @@
             <a:fld id="{B61BEF0D-F0BB-DE4B-95CE-6DB70DBA9567}" type="datetimeFigureOut">
               <a:rPr lang="en-US" smtClean="0"/>
               <a:pPr/>
-              <a:t>5/23/2022</a:t>
+              <a:t>7/6/2022</a:t>
             </a:fld>
             <a:endParaRPr lang="en-US" dirty="0"/>
           </a:p>
@@ -3058,7 +3066,7 @@
             <a:fld id="{B61BEF0D-F0BB-DE4B-95CE-6DB70DBA9567}" type="datetimeFigureOut">
               <a:rPr lang="en-US" smtClean="0"/>
               <a:pPr/>
-              <a:t>5/23/2022</a:t>
+              <a:t>7/6/2022</a:t>
             </a:fld>
             <a:endParaRPr lang="en-US" dirty="0"/>
           </a:p>
@@ -3240,7 +3248,7 @@
             <a:fld id="{B61BEF0D-F0BB-DE4B-95CE-6DB70DBA9567}" type="datetimeFigureOut">
               <a:rPr lang="en-US" smtClean="0"/>
               <a:pPr/>
-              <a:t>5/23/2022</a:t>
+              <a:t>7/6/2022</a:t>
             </a:fld>
             <a:endParaRPr lang="en-US" dirty="0"/>
           </a:p>
@@ -3412,7 +3420,7 @@
             <a:fld id="{B61BEF0D-F0BB-DE4B-95CE-6DB70DBA9567}" type="datetimeFigureOut">
               <a:rPr lang="en-US" smtClean="0"/>
               <a:pPr/>
-              <a:t>5/23/2022</a:t>
+              <a:t>7/6/2022</a:t>
             </a:fld>
             <a:endParaRPr lang="en-US" dirty="0"/>
           </a:p>
@@ -3661,7 +3669,7 @@
             <a:fld id="{B61BEF0D-F0BB-DE4B-95CE-6DB70DBA9567}" type="datetimeFigureOut">
               <a:rPr lang="en-US" smtClean="0"/>
               <a:pPr/>
-              <a:t>5/23/2022</a:t>
+              <a:t>7/6/2022</a:t>
             </a:fld>
             <a:endParaRPr lang="en-US" dirty="0"/>
           </a:p>
@@ -3955,7 +3963,7 @@
             <a:fld id="{B61BEF0D-F0BB-DE4B-95CE-6DB70DBA9567}" type="datetimeFigureOut">
               <a:rPr lang="en-US" smtClean="0"/>
               <a:pPr/>
-              <a:t>5/23/2022</a:t>
+              <a:t>7/6/2022</a:t>
             </a:fld>
             <a:endParaRPr lang="en-US" dirty="0"/>
           </a:p>
@@ -4401,7 +4409,7 @@
             <a:fld id="{B61BEF0D-F0BB-DE4B-95CE-6DB70DBA9567}" type="datetimeFigureOut">
               <a:rPr lang="en-US" smtClean="0"/>
               <a:pPr/>
-              <a:t>5/23/2022</a:t>
+              <a:t>7/6/2022</a:t>
             </a:fld>
             <a:endParaRPr lang="en-US" dirty="0"/>
           </a:p>
@@ -4521,7 +4529,7 @@
             <a:fld id="{B61BEF0D-F0BB-DE4B-95CE-6DB70DBA9567}" type="datetimeFigureOut">
               <a:rPr lang="en-US" smtClean="0"/>
               <a:pPr/>
-              <a:t>5/23/2022</a:t>
+              <a:t>7/6/2022</a:t>
             </a:fld>
             <a:endParaRPr lang="en-US" dirty="0"/>
           </a:p>
@@ -4618,7 +4626,7 @@
             <a:fld id="{B61BEF0D-F0BB-DE4B-95CE-6DB70DBA9567}" type="datetimeFigureOut">
               <a:rPr lang="en-US" smtClean="0"/>
               <a:pPr/>
-              <a:t>5/23/2022</a:t>
+              <a:t>7/6/2022</a:t>
             </a:fld>
             <a:endParaRPr lang="en-US" dirty="0"/>
           </a:p>
@@ -4899,7 +4907,7 @@
             <a:fld id="{B61BEF0D-F0BB-DE4B-95CE-6DB70DBA9567}" type="datetimeFigureOut">
               <a:rPr lang="en-US" smtClean="0"/>
               <a:pPr/>
-              <a:t>5/23/2022</a:t>
+              <a:t>7/6/2022</a:t>
             </a:fld>
             <a:endParaRPr lang="en-US" dirty="0"/>
           </a:p>
@@ -5176,7 +5184,7 @@
             <a:fld id="{B61BEF0D-F0BB-DE4B-95CE-6DB70DBA9567}" type="datetimeFigureOut">
               <a:rPr lang="en-US" smtClean="0"/>
               <a:pPr/>
-              <a:t>5/23/2022</a:t>
+              <a:t>7/6/2022</a:t>
             </a:fld>
             <a:endParaRPr lang="en-US" dirty="0"/>
           </a:p>
@@ -5607,7 +5615,7 @@
             <a:fld id="{B61BEF0D-F0BB-DE4B-95CE-6DB70DBA9567}" type="datetimeFigureOut">
               <a:rPr lang="en-US" smtClean="0"/>
               <a:pPr/>
-              <a:t>5/23/2022</a:t>
+              <a:t>7/6/2022</a:t>
             </a:fld>
             <a:endParaRPr lang="en-US" dirty="0"/>
           </a:p>
@@ -7154,7 +7162,7 @@
               </a:lnSpc>
             </a:pPr>
             <a:r>
-              <a:rPr lang="en-IN" dirty="0">
+              <a:rPr lang="en-IN" sz="2400" b="1" dirty="0">
                 <a:solidFill>
                   <a:schemeClr val="bg2"/>
                 </a:solidFill>
@@ -7169,7 +7177,7 @@
               </a:lnSpc>
             </a:pPr>
             <a:r>
-              <a:rPr lang="en-IN" dirty="0">
+              <a:rPr lang="en-IN" sz="2400" b="1" dirty="0">
                 <a:solidFill>
                   <a:schemeClr val="bg2"/>
                 </a:solidFill>
@@ -7184,7 +7192,7 @@
               </a:lnSpc>
             </a:pPr>
             <a:r>
-              <a:rPr lang="en-IN" dirty="0">
+              <a:rPr lang="en-IN" sz="2400" b="1" dirty="0">
                 <a:solidFill>
                   <a:schemeClr val="bg2"/>
                 </a:solidFill>
@@ -7220,6 +7228,722 @@
 </file>
 
 <file path=ppt/slides/slide10.xml><?xml version="1.0" encoding="utf-8"?>
+<p:sld xmlns:a="http://schemas.openxmlformats.org/drawingml/2006/main" xmlns:r="http://schemas.openxmlformats.org/officeDocument/2006/relationships" xmlns:p="http://schemas.openxmlformats.org/presentationml/2006/main">
+  <p:cSld>
+    <p:spTree>
+      <p:nvGrpSpPr>
+        <p:cNvPr id="1" name=""/>
+        <p:cNvGrpSpPr/>
+        <p:nvPr/>
+      </p:nvGrpSpPr>
+      <p:grpSpPr>
+        <a:xfrm>
+          <a:off x="0" y="0"/>
+          <a:ext cx="0" cy="0"/>
+          <a:chOff x="0" y="0"/>
+          <a:chExt cx="0" cy="0"/>
+        </a:xfrm>
+      </p:grpSpPr>
+      <p:sp>
+        <p:nvSpPr>
+          <p:cNvPr id="2" name="Title 1">
+            <a:extLst>
+              <a:ext uri="{FF2B5EF4-FFF2-40B4-BE49-F238E27FC236}">
+                <a16:creationId xmlns:a16="http://schemas.microsoft.com/office/drawing/2014/main" id="{0174F1D5-FC83-13B4-A83E-FB1A7F6AFBCA}"/>
+              </a:ext>
+            </a:extLst>
+          </p:cNvPr>
+          <p:cNvSpPr>
+            <a:spLocks noGrp="1"/>
+          </p:cNvSpPr>
+          <p:nvPr>
+            <p:ph type="title"/>
+          </p:nvPr>
+        </p:nvSpPr>
+        <p:spPr/>
+        <p:txBody>
+          <a:bodyPr/>
+          <a:lstStyle/>
+          <a:p>
+            <a:r>
+              <a:rPr lang="en-IN" b="1" dirty="0"/>
+              <a:t>Screenshots</a:t>
+            </a:r>
+          </a:p>
+        </p:txBody>
+      </p:sp>
+      <p:pic>
+        <p:nvPicPr>
+          <p:cNvPr id="9" name="Content Placeholder 8">
+            <a:extLst>
+              <a:ext uri="{FF2B5EF4-FFF2-40B4-BE49-F238E27FC236}">
+                <a16:creationId xmlns:a16="http://schemas.microsoft.com/office/drawing/2014/main" id="{8145662C-3813-D4A0-0AFF-776441BF02D1}"/>
+              </a:ext>
+            </a:extLst>
+          </p:cNvPr>
+          <p:cNvPicPr>
+            <a:picLocks noGrp="1" noChangeAspect="1"/>
+          </p:cNvPicPr>
+          <p:nvPr>
+            <p:ph idx="1"/>
+          </p:nvPr>
+        </p:nvPicPr>
+        <p:blipFill>
+          <a:blip r:embed="rId2"/>
+          <a:stretch>
+            <a:fillRect/>
+          </a:stretch>
+        </p:blipFill>
+        <p:spPr>
+          <a:xfrm>
+            <a:off x="4608635" y="1853248"/>
+            <a:ext cx="2491412" cy="4395152"/>
+          </a:xfrm>
+        </p:spPr>
+      </p:pic>
+    </p:spTree>
+    <p:extLst>
+      <p:ext uri="{BB962C8B-B14F-4D97-AF65-F5344CB8AC3E}">
+        <p14:creationId xmlns:p14="http://schemas.microsoft.com/office/powerpoint/2010/main" val="3503173744"/>
+      </p:ext>
+    </p:extLst>
+  </p:cSld>
+  <p:clrMapOvr>
+    <a:masterClrMapping/>
+  </p:clrMapOvr>
+</p:sld>
+</file>
+
+<file path=ppt/slides/slide11.xml><?xml version="1.0" encoding="utf-8"?>
+<p:sld xmlns:a="http://schemas.openxmlformats.org/drawingml/2006/main" xmlns:r="http://schemas.openxmlformats.org/officeDocument/2006/relationships" xmlns:p="http://schemas.openxmlformats.org/presentationml/2006/main">
+  <p:cSld>
+    <p:spTree>
+      <p:nvGrpSpPr>
+        <p:cNvPr id="1" name=""/>
+        <p:cNvGrpSpPr/>
+        <p:nvPr/>
+      </p:nvGrpSpPr>
+      <p:grpSpPr>
+        <a:xfrm>
+          <a:off x="0" y="0"/>
+          <a:ext cx="0" cy="0"/>
+          <a:chOff x="0" y="0"/>
+          <a:chExt cx="0" cy="0"/>
+        </a:xfrm>
+      </p:grpSpPr>
+      <p:sp>
+        <p:nvSpPr>
+          <p:cNvPr id="2" name="Title 1">
+            <a:extLst>
+              <a:ext uri="{FF2B5EF4-FFF2-40B4-BE49-F238E27FC236}">
+                <a16:creationId xmlns:a16="http://schemas.microsoft.com/office/drawing/2014/main" id="{0BD17B8D-0611-E3B4-5B9A-4574B3A77BB8}"/>
+              </a:ext>
+            </a:extLst>
+          </p:cNvPr>
+          <p:cNvSpPr>
+            <a:spLocks noGrp="1"/>
+          </p:cNvSpPr>
+          <p:nvPr>
+            <p:ph type="title"/>
+          </p:nvPr>
+        </p:nvSpPr>
+        <p:spPr>
+          <a:xfrm>
+            <a:off x="484746" y="304801"/>
+            <a:ext cx="9404723" cy="1187823"/>
+          </a:xfrm>
+        </p:spPr>
+        <p:txBody>
+          <a:bodyPr/>
+          <a:lstStyle/>
+          <a:p>
+            <a:endParaRPr lang="en-IN" dirty="0"/>
+          </a:p>
+        </p:txBody>
+      </p:sp>
+      <p:pic>
+        <p:nvPicPr>
+          <p:cNvPr id="10" name="Content Placeholder 4">
+            <a:extLst>
+              <a:ext uri="{FF2B5EF4-FFF2-40B4-BE49-F238E27FC236}">
+                <a16:creationId xmlns:a16="http://schemas.microsoft.com/office/drawing/2014/main" id="{8164EDC0-E1FA-BCF0-2930-C4DAD6B1C325}"/>
+              </a:ext>
+            </a:extLst>
+          </p:cNvPr>
+          <p:cNvPicPr>
+            <a:picLocks noGrp="1" noChangeAspect="1"/>
+          </p:cNvPicPr>
+          <p:nvPr>
+            <p:ph idx="1"/>
+          </p:nvPr>
+        </p:nvPicPr>
+        <p:blipFill>
+          <a:blip r:embed="rId2"/>
+          <a:stretch>
+            <a:fillRect/>
+          </a:stretch>
+        </p:blipFill>
+        <p:spPr>
+          <a:xfrm>
+            <a:off x="4608635" y="1707777"/>
+            <a:ext cx="2612436" cy="4540624"/>
+          </a:xfrm>
+        </p:spPr>
+      </p:pic>
+    </p:spTree>
+    <p:extLst>
+      <p:ext uri="{BB962C8B-B14F-4D97-AF65-F5344CB8AC3E}">
+        <p14:creationId xmlns:p14="http://schemas.microsoft.com/office/powerpoint/2010/main" val="1389120049"/>
+      </p:ext>
+    </p:extLst>
+  </p:cSld>
+  <p:clrMapOvr>
+    <a:masterClrMapping/>
+  </p:clrMapOvr>
+</p:sld>
+</file>
+
+<file path=ppt/slides/slide12.xml><?xml version="1.0" encoding="utf-8"?>
+<p:sld xmlns:a="http://schemas.openxmlformats.org/drawingml/2006/main" xmlns:r="http://schemas.openxmlformats.org/officeDocument/2006/relationships" xmlns:p="http://schemas.openxmlformats.org/presentationml/2006/main">
+  <p:cSld>
+    <p:spTree>
+      <p:nvGrpSpPr>
+        <p:cNvPr id="1" name=""/>
+        <p:cNvGrpSpPr/>
+        <p:nvPr/>
+      </p:nvGrpSpPr>
+      <p:grpSpPr>
+        <a:xfrm>
+          <a:off x="0" y="0"/>
+          <a:ext cx="0" cy="0"/>
+          <a:chOff x="0" y="0"/>
+          <a:chExt cx="0" cy="0"/>
+        </a:xfrm>
+      </p:grpSpPr>
+      <p:sp>
+        <p:nvSpPr>
+          <p:cNvPr id="2" name="Title 1">
+            <a:extLst>
+              <a:ext uri="{FF2B5EF4-FFF2-40B4-BE49-F238E27FC236}">
+                <a16:creationId xmlns:a16="http://schemas.microsoft.com/office/drawing/2014/main" id="{53424846-114E-489A-53FE-B4CACB9D673F}"/>
+              </a:ext>
+            </a:extLst>
+          </p:cNvPr>
+          <p:cNvSpPr>
+            <a:spLocks noGrp="1"/>
+          </p:cNvSpPr>
+          <p:nvPr>
+            <p:ph type="title"/>
+          </p:nvPr>
+        </p:nvSpPr>
+        <p:spPr>
+          <a:xfrm>
+            <a:off x="646111" y="452718"/>
+            <a:ext cx="9404723" cy="1039906"/>
+          </a:xfrm>
+        </p:spPr>
+        <p:txBody>
+          <a:bodyPr/>
+          <a:lstStyle/>
+          <a:p>
+            <a:endParaRPr lang="en-IN" dirty="0"/>
+          </a:p>
+        </p:txBody>
+      </p:sp>
+      <p:pic>
+        <p:nvPicPr>
+          <p:cNvPr id="4" name="Content Placeholder 3">
+            <a:extLst>
+              <a:ext uri="{FF2B5EF4-FFF2-40B4-BE49-F238E27FC236}">
+                <a16:creationId xmlns:a16="http://schemas.microsoft.com/office/drawing/2014/main" id="{01DE793A-8955-9A5D-7D19-219FD010B77C}"/>
+              </a:ext>
+            </a:extLst>
+          </p:cNvPr>
+          <p:cNvPicPr>
+            <a:picLocks noGrp="1" noChangeAspect="1"/>
+          </p:cNvPicPr>
+          <p:nvPr>
+            <p:ph idx="1"/>
+          </p:nvPr>
+        </p:nvPicPr>
+        <p:blipFill>
+          <a:blip r:embed="rId2"/>
+          <a:stretch>
+            <a:fillRect/>
+          </a:stretch>
+        </p:blipFill>
+        <p:spPr>
+          <a:xfrm>
+            <a:off x="4305762" y="1756090"/>
+            <a:ext cx="2542252" cy="4444369"/>
+          </a:xfrm>
+          <a:prstGeom prst="rect">
+            <a:avLst/>
+          </a:prstGeom>
+        </p:spPr>
+      </p:pic>
+    </p:spTree>
+    <p:extLst>
+      <p:ext uri="{BB962C8B-B14F-4D97-AF65-F5344CB8AC3E}">
+        <p14:creationId xmlns:p14="http://schemas.microsoft.com/office/powerpoint/2010/main" val="3397466578"/>
+      </p:ext>
+    </p:extLst>
+  </p:cSld>
+  <p:clrMapOvr>
+    <a:masterClrMapping/>
+  </p:clrMapOvr>
+</p:sld>
+</file>
+
+<file path=ppt/slides/slide13.xml><?xml version="1.0" encoding="utf-8"?>
+<p:sld xmlns:a="http://schemas.openxmlformats.org/drawingml/2006/main" xmlns:r="http://schemas.openxmlformats.org/officeDocument/2006/relationships" xmlns:p="http://schemas.openxmlformats.org/presentationml/2006/main">
+  <p:cSld>
+    <p:spTree>
+      <p:nvGrpSpPr>
+        <p:cNvPr id="1" name=""/>
+        <p:cNvGrpSpPr/>
+        <p:nvPr/>
+      </p:nvGrpSpPr>
+      <p:grpSpPr>
+        <a:xfrm>
+          <a:off x="0" y="0"/>
+          <a:ext cx="0" cy="0"/>
+          <a:chOff x="0" y="0"/>
+          <a:chExt cx="0" cy="0"/>
+        </a:xfrm>
+      </p:grpSpPr>
+      <p:sp>
+        <p:nvSpPr>
+          <p:cNvPr id="2" name="Title 1">
+            <a:extLst>
+              <a:ext uri="{FF2B5EF4-FFF2-40B4-BE49-F238E27FC236}">
+                <a16:creationId xmlns:a16="http://schemas.microsoft.com/office/drawing/2014/main" id="{9C986454-40C1-9D7E-4CA4-1940A55E6E29}"/>
+              </a:ext>
+            </a:extLst>
+          </p:cNvPr>
+          <p:cNvSpPr>
+            <a:spLocks noGrp="1"/>
+          </p:cNvSpPr>
+          <p:nvPr>
+            <p:ph type="title"/>
+          </p:nvPr>
+        </p:nvSpPr>
+        <p:spPr>
+          <a:xfrm>
+            <a:off x="646111" y="452718"/>
+            <a:ext cx="9404723" cy="1107141"/>
+          </a:xfrm>
+        </p:spPr>
+        <p:txBody>
+          <a:bodyPr/>
+          <a:lstStyle/>
+          <a:p>
+            <a:endParaRPr lang="en-IN" dirty="0"/>
+          </a:p>
+        </p:txBody>
+      </p:sp>
+      <p:pic>
+        <p:nvPicPr>
+          <p:cNvPr id="7" name="Content Placeholder 6">
+            <a:extLst>
+              <a:ext uri="{FF2B5EF4-FFF2-40B4-BE49-F238E27FC236}">
+                <a16:creationId xmlns:a16="http://schemas.microsoft.com/office/drawing/2014/main" id="{90168856-9359-82C5-7887-B35E672A1F84}"/>
+              </a:ext>
+            </a:extLst>
+          </p:cNvPr>
+          <p:cNvPicPr>
+            <a:picLocks noGrp="1" noChangeAspect="1"/>
+          </p:cNvPicPr>
+          <p:nvPr>
+            <p:ph idx="1"/>
+          </p:nvPr>
+        </p:nvPicPr>
+        <p:blipFill>
+          <a:blip r:embed="rId2"/>
+          <a:stretch>
+            <a:fillRect/>
+          </a:stretch>
+        </p:blipFill>
+        <p:spPr>
+          <a:xfrm>
+            <a:off x="4538297" y="1667435"/>
+            <a:ext cx="2682774" cy="4580965"/>
+          </a:xfrm>
+        </p:spPr>
+      </p:pic>
+    </p:spTree>
+    <p:extLst>
+      <p:ext uri="{BB962C8B-B14F-4D97-AF65-F5344CB8AC3E}">
+        <p14:creationId xmlns:p14="http://schemas.microsoft.com/office/powerpoint/2010/main" val="2658836370"/>
+      </p:ext>
+    </p:extLst>
+  </p:cSld>
+  <p:clrMapOvr>
+    <a:masterClrMapping/>
+  </p:clrMapOvr>
+</p:sld>
+</file>
+
+<file path=ppt/slides/slide14.xml><?xml version="1.0" encoding="utf-8"?>
+<p:sld xmlns:a="http://schemas.openxmlformats.org/drawingml/2006/main" xmlns:r="http://schemas.openxmlformats.org/officeDocument/2006/relationships" xmlns:p="http://schemas.openxmlformats.org/presentationml/2006/main">
+  <p:cSld>
+    <p:spTree>
+      <p:nvGrpSpPr>
+        <p:cNvPr id="1" name=""/>
+        <p:cNvGrpSpPr/>
+        <p:nvPr/>
+      </p:nvGrpSpPr>
+      <p:grpSpPr>
+        <a:xfrm>
+          <a:off x="0" y="0"/>
+          <a:ext cx="0" cy="0"/>
+          <a:chOff x="0" y="0"/>
+          <a:chExt cx="0" cy="0"/>
+        </a:xfrm>
+      </p:grpSpPr>
+      <p:sp>
+        <p:nvSpPr>
+          <p:cNvPr id="2" name="Title 1">
+            <a:extLst>
+              <a:ext uri="{FF2B5EF4-FFF2-40B4-BE49-F238E27FC236}">
+                <a16:creationId xmlns:a16="http://schemas.microsoft.com/office/drawing/2014/main" id="{7BD64513-E425-2D9B-7E13-CF79428C4B60}"/>
+              </a:ext>
+            </a:extLst>
+          </p:cNvPr>
+          <p:cNvSpPr>
+            <a:spLocks noGrp="1"/>
+          </p:cNvSpPr>
+          <p:nvPr>
+            <p:ph type="title"/>
+          </p:nvPr>
+        </p:nvSpPr>
+        <p:spPr>
+          <a:xfrm>
+            <a:off x="646111" y="452718"/>
+            <a:ext cx="9404723" cy="1160929"/>
+          </a:xfrm>
+        </p:spPr>
+        <p:txBody>
+          <a:bodyPr/>
+          <a:lstStyle/>
+          <a:p>
+            <a:endParaRPr lang="en-IN" dirty="0"/>
+          </a:p>
+        </p:txBody>
+      </p:sp>
+      <p:pic>
+        <p:nvPicPr>
+          <p:cNvPr id="8" name="Content Placeholder 7">
+            <a:extLst>
+              <a:ext uri="{FF2B5EF4-FFF2-40B4-BE49-F238E27FC236}">
+                <a16:creationId xmlns:a16="http://schemas.microsoft.com/office/drawing/2014/main" id="{843F8770-A8D1-6130-6CF1-9AE96B25ECC9}"/>
+              </a:ext>
+            </a:extLst>
+          </p:cNvPr>
+          <p:cNvPicPr>
+            <a:picLocks noGrp="1" noChangeAspect="1"/>
+          </p:cNvPicPr>
+          <p:nvPr>
+            <p:ph idx="1"/>
+          </p:nvPr>
+        </p:nvPicPr>
+        <p:blipFill>
+          <a:blip r:embed="rId2"/>
+          <a:stretch>
+            <a:fillRect/>
+          </a:stretch>
+        </p:blipFill>
+        <p:spPr>
+          <a:xfrm>
+            <a:off x="4260669" y="1828800"/>
+            <a:ext cx="2632438" cy="4419600"/>
+          </a:xfrm>
+          <a:prstGeom prst="rect">
+            <a:avLst/>
+          </a:prstGeom>
+        </p:spPr>
+      </p:pic>
+    </p:spTree>
+    <p:extLst>
+      <p:ext uri="{BB962C8B-B14F-4D97-AF65-F5344CB8AC3E}">
+        <p14:creationId xmlns:p14="http://schemas.microsoft.com/office/powerpoint/2010/main" val="2565683769"/>
+      </p:ext>
+    </p:extLst>
+  </p:cSld>
+  <p:clrMapOvr>
+    <a:masterClrMapping/>
+  </p:clrMapOvr>
+</p:sld>
+</file>
+
+<file path=ppt/slides/slide15.xml><?xml version="1.0" encoding="utf-8"?>
+<p:sld xmlns:a="http://schemas.openxmlformats.org/drawingml/2006/main" xmlns:r="http://schemas.openxmlformats.org/officeDocument/2006/relationships" xmlns:p="http://schemas.openxmlformats.org/presentationml/2006/main">
+  <p:cSld>
+    <p:spTree>
+      <p:nvGrpSpPr>
+        <p:cNvPr id="1" name=""/>
+        <p:cNvGrpSpPr/>
+        <p:nvPr/>
+      </p:nvGrpSpPr>
+      <p:grpSpPr>
+        <a:xfrm>
+          <a:off x="0" y="0"/>
+          <a:ext cx="0" cy="0"/>
+          <a:chOff x="0" y="0"/>
+          <a:chExt cx="0" cy="0"/>
+        </a:xfrm>
+      </p:grpSpPr>
+      <p:sp>
+        <p:nvSpPr>
+          <p:cNvPr id="2" name="Title 1">
+            <a:extLst>
+              <a:ext uri="{FF2B5EF4-FFF2-40B4-BE49-F238E27FC236}">
+                <a16:creationId xmlns:a16="http://schemas.microsoft.com/office/drawing/2014/main" id="{3B56E145-01F4-20EA-4A8D-1CAD56279897}"/>
+              </a:ext>
+            </a:extLst>
+          </p:cNvPr>
+          <p:cNvSpPr>
+            <a:spLocks noGrp="1"/>
+          </p:cNvSpPr>
+          <p:nvPr>
+            <p:ph type="title"/>
+          </p:nvPr>
+        </p:nvSpPr>
+        <p:spPr>
+          <a:xfrm>
+            <a:off x="646111" y="452718"/>
+            <a:ext cx="9404723" cy="1093694"/>
+          </a:xfrm>
+        </p:spPr>
+        <p:txBody>
+          <a:bodyPr/>
+          <a:lstStyle/>
+          <a:p>
+            <a:endParaRPr lang="en-IN" dirty="0"/>
+          </a:p>
+        </p:txBody>
+      </p:sp>
+      <p:pic>
+        <p:nvPicPr>
+          <p:cNvPr id="5" name="Content Placeholder 4">
+            <a:extLst>
+              <a:ext uri="{FF2B5EF4-FFF2-40B4-BE49-F238E27FC236}">
+                <a16:creationId xmlns:a16="http://schemas.microsoft.com/office/drawing/2014/main" id="{116C542C-A646-A890-D458-BF8D70F98768}"/>
+              </a:ext>
+            </a:extLst>
+          </p:cNvPr>
+          <p:cNvPicPr>
+            <a:picLocks noGrp="1" noChangeAspect="1"/>
+          </p:cNvPicPr>
+          <p:nvPr>
+            <p:ph idx="1"/>
+          </p:nvPr>
+        </p:nvPicPr>
+        <p:blipFill>
+          <a:blip r:embed="rId2"/>
+          <a:stretch>
+            <a:fillRect/>
+          </a:stretch>
+        </p:blipFill>
+        <p:spPr>
+          <a:xfrm>
+            <a:off x="4538296" y="1747838"/>
+            <a:ext cx="2628985" cy="4500562"/>
+          </a:xfrm>
+        </p:spPr>
+      </p:pic>
+    </p:spTree>
+    <p:extLst>
+      <p:ext uri="{BB962C8B-B14F-4D97-AF65-F5344CB8AC3E}">
+        <p14:creationId xmlns:p14="http://schemas.microsoft.com/office/powerpoint/2010/main" val="1403705447"/>
+      </p:ext>
+    </p:extLst>
+  </p:cSld>
+  <p:clrMapOvr>
+    <a:masterClrMapping/>
+  </p:clrMapOvr>
+</p:sld>
+</file>
+
+<file path=ppt/slides/slide16.xml><?xml version="1.0" encoding="utf-8"?>
+<p:sld xmlns:a="http://schemas.openxmlformats.org/drawingml/2006/main" xmlns:r="http://schemas.openxmlformats.org/officeDocument/2006/relationships" xmlns:p="http://schemas.openxmlformats.org/presentationml/2006/main">
+  <p:cSld>
+    <p:spTree>
+      <p:nvGrpSpPr>
+        <p:cNvPr id="1" name=""/>
+        <p:cNvGrpSpPr/>
+        <p:nvPr/>
+      </p:nvGrpSpPr>
+      <p:grpSpPr>
+        <a:xfrm>
+          <a:off x="0" y="0"/>
+          <a:ext cx="0" cy="0"/>
+          <a:chOff x="0" y="0"/>
+          <a:chExt cx="0" cy="0"/>
+        </a:xfrm>
+      </p:grpSpPr>
+      <p:sp>
+        <p:nvSpPr>
+          <p:cNvPr id="2" name="Title 1">
+            <a:extLst>
+              <a:ext uri="{FF2B5EF4-FFF2-40B4-BE49-F238E27FC236}">
+                <a16:creationId xmlns:a16="http://schemas.microsoft.com/office/drawing/2014/main" id="{A4624EDD-D67E-B946-FCEF-7F094D0EB4EB}"/>
+              </a:ext>
+            </a:extLst>
+          </p:cNvPr>
+          <p:cNvSpPr>
+            <a:spLocks noGrp="1"/>
+          </p:cNvSpPr>
+          <p:nvPr>
+            <p:ph type="title"/>
+          </p:nvPr>
+        </p:nvSpPr>
+        <p:spPr>
+          <a:xfrm>
+            <a:off x="646111" y="452718"/>
+            <a:ext cx="9404723" cy="1134035"/>
+          </a:xfrm>
+        </p:spPr>
+        <p:txBody>
+          <a:bodyPr/>
+          <a:lstStyle/>
+          <a:p>
+            <a:endParaRPr lang="en-IN" dirty="0"/>
+          </a:p>
+        </p:txBody>
+      </p:sp>
+      <p:pic>
+        <p:nvPicPr>
+          <p:cNvPr id="9" name="Content Placeholder 8">
+            <a:extLst>
+              <a:ext uri="{FF2B5EF4-FFF2-40B4-BE49-F238E27FC236}">
+                <a16:creationId xmlns:a16="http://schemas.microsoft.com/office/drawing/2014/main" id="{B59EB726-EFE3-1EAB-3CE2-81DF997A4E8C}"/>
+              </a:ext>
+            </a:extLst>
+          </p:cNvPr>
+          <p:cNvPicPr>
+            <a:picLocks noGrp="1" noChangeAspect="1"/>
+          </p:cNvPicPr>
+          <p:nvPr>
+            <p:ph idx="1"/>
+          </p:nvPr>
+        </p:nvPicPr>
+        <p:blipFill>
+          <a:blip r:embed="rId2"/>
+          <a:stretch>
+            <a:fillRect/>
+          </a:stretch>
+        </p:blipFill>
+        <p:spPr>
+          <a:xfrm>
+            <a:off x="4563208" y="1855788"/>
+            <a:ext cx="2617521" cy="4392612"/>
+          </a:xfrm>
+        </p:spPr>
+      </p:pic>
+    </p:spTree>
+    <p:extLst>
+      <p:ext uri="{BB962C8B-B14F-4D97-AF65-F5344CB8AC3E}">
+        <p14:creationId xmlns:p14="http://schemas.microsoft.com/office/powerpoint/2010/main" val="70381629"/>
+      </p:ext>
+    </p:extLst>
+  </p:cSld>
+  <p:clrMapOvr>
+    <a:masterClrMapping/>
+  </p:clrMapOvr>
+</p:sld>
+</file>
+
+<file path=ppt/slides/slide17.xml><?xml version="1.0" encoding="utf-8"?>
+<p:sld xmlns:a="http://schemas.openxmlformats.org/drawingml/2006/main" xmlns:r="http://schemas.openxmlformats.org/officeDocument/2006/relationships" xmlns:p="http://schemas.openxmlformats.org/presentationml/2006/main">
+  <p:cSld>
+    <p:spTree>
+      <p:nvGrpSpPr>
+        <p:cNvPr id="1" name=""/>
+        <p:cNvGrpSpPr/>
+        <p:nvPr/>
+      </p:nvGrpSpPr>
+      <p:grpSpPr>
+        <a:xfrm>
+          <a:off x="0" y="0"/>
+          <a:ext cx="0" cy="0"/>
+          <a:chOff x="0" y="0"/>
+          <a:chExt cx="0" cy="0"/>
+        </a:xfrm>
+      </p:grpSpPr>
+      <p:sp>
+        <p:nvSpPr>
+          <p:cNvPr id="2" name="Title 1">
+            <a:extLst>
+              <a:ext uri="{FF2B5EF4-FFF2-40B4-BE49-F238E27FC236}">
+                <a16:creationId xmlns:a16="http://schemas.microsoft.com/office/drawing/2014/main" id="{DDEDAB94-CB46-A9CF-2F9D-1C8F35C334C8}"/>
+              </a:ext>
+            </a:extLst>
+          </p:cNvPr>
+          <p:cNvSpPr>
+            <a:spLocks noGrp="1"/>
+          </p:cNvSpPr>
+          <p:nvPr>
+            <p:ph type="title"/>
+          </p:nvPr>
+        </p:nvSpPr>
+        <p:spPr>
+          <a:xfrm>
+            <a:off x="646111" y="452718"/>
+            <a:ext cx="9404723" cy="1093694"/>
+          </a:xfrm>
+        </p:spPr>
+        <p:txBody>
+          <a:bodyPr/>
+          <a:lstStyle/>
+          <a:p>
+            <a:endParaRPr lang="en-IN" dirty="0"/>
+          </a:p>
+        </p:txBody>
+      </p:sp>
+      <p:pic>
+        <p:nvPicPr>
+          <p:cNvPr id="5" name="Content Placeholder 4">
+            <a:extLst>
+              <a:ext uri="{FF2B5EF4-FFF2-40B4-BE49-F238E27FC236}">
+                <a16:creationId xmlns:a16="http://schemas.microsoft.com/office/drawing/2014/main" id="{CD0E4CEB-B2D7-838F-EF7A-21D93842C139}"/>
+              </a:ext>
+            </a:extLst>
+          </p:cNvPr>
+          <p:cNvPicPr>
+            <a:picLocks noGrp="1" noChangeAspect="1"/>
+          </p:cNvPicPr>
+          <p:nvPr>
+            <p:ph idx="1"/>
+          </p:nvPr>
+        </p:nvPicPr>
+        <p:blipFill>
+          <a:blip r:embed="rId2"/>
+          <a:stretch>
+            <a:fillRect/>
+          </a:stretch>
+        </p:blipFill>
+        <p:spPr>
+          <a:xfrm>
+            <a:off x="4559911" y="1707776"/>
+            <a:ext cx="2540136" cy="4540624"/>
+          </a:xfrm>
+        </p:spPr>
+      </p:pic>
+    </p:spTree>
+    <p:extLst>
+      <p:ext uri="{BB962C8B-B14F-4D97-AF65-F5344CB8AC3E}">
+        <p14:creationId xmlns:p14="http://schemas.microsoft.com/office/powerpoint/2010/main" val="1975467536"/>
+      </p:ext>
+    </p:extLst>
+  </p:cSld>
+  <p:clrMapOvr>
+    <a:masterClrMapping/>
+  </p:clrMapOvr>
+</p:sld>
+</file>
+
+<file path=ppt/slides/slide18.xml><?xml version="1.0" encoding="utf-8"?>
 <p:sld xmlns:a="http://schemas.openxmlformats.org/drawingml/2006/main" xmlns:r="http://schemas.openxmlformats.org/officeDocument/2006/relationships" xmlns:p="http://schemas.openxmlformats.org/presentationml/2006/main">
   <p:cSld>
     <p:bg>
@@ -7756,7 +8480,7 @@
           <a:lstStyle/>
           <a:p>
             <a:r>
-              <a:rPr lang="en-IN" dirty="0"/>
+              <a:rPr lang="en-IN" b="1" dirty="0"/>
               <a:t>Contents</a:t>
             </a:r>
           </a:p>
@@ -7824,6 +8548,12 @@
             <a:r>
               <a:rPr lang="en-IN" sz="2400" dirty="0"/>
               <a:t>Front end and backend</a:t>
+            </a:r>
+          </a:p>
+          <a:p>
+            <a:r>
+              <a:rPr lang="en-IN" sz="2400" dirty="0"/>
+              <a:t>Screenshots</a:t>
             </a:r>
           </a:p>
           <a:p>
@@ -7883,7 +8613,7 @@
           <a:lstStyle/>
           <a:p>
             <a:r>
-              <a:rPr lang="en-IN" dirty="0"/>
+              <a:rPr lang="en-IN" b="1" dirty="0"/>
               <a:t>Relevance</a:t>
             </a:r>
           </a:p>
@@ -8013,7 +8743,7 @@
           <a:lstStyle/>
           <a:p>
             <a:r>
-              <a:rPr lang="en-IN" dirty="0"/>
+              <a:rPr lang="en-IN" b="1" dirty="0"/>
               <a:t>Description</a:t>
             </a:r>
           </a:p>
@@ -8133,7 +8863,7 @@
           <a:lstStyle/>
           <a:p>
             <a:r>
-              <a:rPr lang="en-IN" dirty="0"/>
+              <a:rPr lang="en-IN" b="1" dirty="0"/>
               <a:t>Objective</a:t>
             </a:r>
           </a:p>
@@ -8302,7 +9032,7 @@
           <a:lstStyle/>
           <a:p>
             <a:r>
-              <a:rPr lang="en-IN" dirty="0"/>
+              <a:rPr lang="en-IN" b="1" dirty="0"/>
               <a:t>Existing system</a:t>
             </a:r>
           </a:p>
@@ -8345,7 +9075,7 @@
                 <a:effectLst/>
                 <a:latin typeface="-apple-system"/>
               </a:rPr>
-              <a:t>The existing system allows the user to store pill objects and multiple alarms for those pills. The user can view their pills in a today view, a tomorrow view, a weekly view, and an editable view that shows every pill and every alarm. In addition, the application stores the history of when each medication was taken.</a:t>
+              <a:t>The existing system allows the user to store pill objects and alarms for those pills. The user can view their pills in a today view, a tomorrow view, a weekly view, and an editable view that shows every pill and every alarm. </a:t>
             </a:r>
           </a:p>
           <a:p>
@@ -8428,10 +9158,10 @@
           <a:lstStyle/>
           <a:p>
             <a:r>
-              <a:rPr lang="en-US" dirty="0"/>
+              <a:rPr lang="en-US" b="1" dirty="0"/>
               <a:t>Proposed system</a:t>
             </a:r>
-            <a:endParaRPr lang="en-IN" dirty="0"/>
+            <a:endParaRPr lang="en-IN" b="1" dirty="0"/>
           </a:p>
         </p:txBody>
       </p:sp>
@@ -8469,7 +9199,7 @@
                 <a:effectLst/>
                 <a:latin typeface="-apple-system"/>
               </a:rPr>
-              <a:t>The app would use the different ringtones to notify the user about the medication. The app is also implemented with an email feature, so that an email can be sent to their family members in the case where the users forget to take their medications.</a:t>
+              <a:t>The app would use the different ringtones to notify the user about the medication. The app is also implemented with a splash light feature, so that the user will notified at the time of his/her medications.</a:t>
             </a:r>
             <a:endParaRPr lang="en-US" sz="2400" dirty="0"/>
           </a:p>
@@ -8539,10 +9269,10 @@
           <a:lstStyle/>
           <a:p>
             <a:r>
-              <a:rPr lang="en-US" dirty="0"/>
+              <a:rPr lang="en-US" b="1" dirty="0"/>
               <a:t>Modules</a:t>
             </a:r>
-            <a:endParaRPr lang="en-IN" dirty="0"/>
+            <a:endParaRPr lang="en-IN" b="1" dirty="0"/>
           </a:p>
         </p:txBody>
       </p:sp>
@@ -8614,9 +9344,14 @@
               </a:rPr>
               <a:t>Database Creation</a:t>
             </a:r>
-            <a:endParaRPr lang="en-IN" sz="2400" dirty="0">
-              <a:latin typeface="-apple-system"/>
-            </a:endParaRPr>
+          </a:p>
+          <a:p>
+            <a:r>
+              <a:rPr lang="en-IN" sz="2400" dirty="0">
+                <a:latin typeface="-apple-system"/>
+              </a:rPr>
+              <a:t>Flash Light Activity </a:t>
+            </a:r>
           </a:p>
         </p:txBody>
       </p:sp>
@@ -8672,10 +9407,10 @@
           <a:lstStyle/>
           <a:p>
             <a:r>
-              <a:rPr lang="en-US" dirty="0"/>
+              <a:rPr lang="en-US" b="1" dirty="0"/>
               <a:t>Front end and backend</a:t>
             </a:r>
-            <a:endParaRPr lang="en-IN" dirty="0"/>
+            <a:endParaRPr lang="en-IN" b="1" dirty="0"/>
           </a:p>
         </p:txBody>
       </p:sp>
